--- a/Final Project/Wake Panel Method.pptx
+++ b/Final Project/Wake Panel Method.pptx
@@ -14,6 +14,11 @@
     <p:sldId id="262" r:id="rId8"/>
     <p:sldId id="263" r:id="rId9"/>
     <p:sldId id="264" r:id="rId10"/>
+    <p:sldId id="265" r:id="rId11"/>
+    <p:sldId id="266" r:id="rId12"/>
+    <p:sldId id="267" r:id="rId13"/>
+    <p:sldId id="268" r:id="rId14"/>
+    <p:sldId id="269" r:id="rId15"/>
   </p:sldIdLst>
   <p:sldSz cx="9144000" cy="6858000" type="screen4x3"/>
   <p:notesSz cx="6858000" cy="9144000"/>
@@ -3055,7 +3060,7 @@
         </p:nvSpPr>
         <p:spPr>
           <a:xfrm>
-            <a:off x="762000" y="685800"/>
+            <a:off x="838200" y="2057400"/>
             <a:ext cx="7772400" cy="1470025"/>
           </a:xfrm>
         </p:spPr>
@@ -3133,6 +3138,647 @@
               </a:rPr>
               <a:t>MAE 6226 Final Project  </a:t>
             </a:r>
+          </a:p>
+        </p:txBody>
+      </p:sp>
+    </p:spTree>
+  </p:cSld>
+  <p:clrMapOvr>
+    <a:masterClrMapping/>
+  </p:clrMapOvr>
+</p:sld>
+</file>
+
+<file path=ppt/slides/slide10.xml><?xml version="1.0" encoding="utf-8"?>
+<p:sld xmlns:a="http://schemas.openxmlformats.org/drawingml/2006/main" xmlns:r="http://schemas.openxmlformats.org/officeDocument/2006/relationships" xmlns:p="http://schemas.openxmlformats.org/presentationml/2006/main">
+  <p:cSld>
+    <p:spTree>
+      <p:nvGrpSpPr>
+        <p:cNvPr id="1" name=""/>
+        <p:cNvGrpSpPr/>
+        <p:nvPr/>
+      </p:nvGrpSpPr>
+      <p:grpSpPr>
+        <a:xfrm>
+          <a:off x="0" y="0"/>
+          <a:ext cx="0" cy="0"/>
+          <a:chOff x="0" y="0"/>
+          <a:chExt cx="0" cy="0"/>
+        </a:xfrm>
+      </p:grpSpPr>
+      <p:sp>
+        <p:nvSpPr>
+          <p:cNvPr id="2" name="Title 1"/>
+          <p:cNvSpPr>
+            <a:spLocks noGrp="1"/>
+          </p:cNvSpPr>
+          <p:nvPr>
+            <p:ph type="title"/>
+          </p:nvPr>
+        </p:nvSpPr>
+        <p:spPr/>
+        <p:txBody>
+          <a:bodyPr>
+            <a:normAutofit fontScale="90000"/>
+          </a:bodyPr>
+          <a:lstStyle/>
+          <a:p>
+            <a:r>
+              <a:rPr lang="en-US" b="1" dirty="0" smtClean="0">
+                <a:latin typeface="Georgia" pitchFamily="18" charset="0"/>
+              </a:rPr>
+              <a:t>Enforcing the </a:t>
+            </a:r>
+            <a:r>
+              <a:rPr lang="en-US" b="1" dirty="0" err="1" smtClean="0">
+                <a:latin typeface="Georgia" pitchFamily="18" charset="0"/>
+              </a:rPr>
+              <a:t>Kutta</a:t>
+            </a:r>
+            <a:r>
+              <a:rPr lang="en-US" b="1" dirty="0" smtClean="0">
+                <a:latin typeface="Georgia" pitchFamily="18" charset="0"/>
+              </a:rPr>
+              <a:t> Condition with a wake panel cont..</a:t>
+            </a:r>
+            <a:endParaRPr lang="en-US" dirty="0"/>
+          </a:p>
+        </p:txBody>
+      </p:sp>
+      <p:sp>
+        <p:nvSpPr>
+          <p:cNvPr id="3" name="Content Placeholder 2"/>
+          <p:cNvSpPr>
+            <a:spLocks noGrp="1"/>
+          </p:cNvSpPr>
+          <p:nvPr>
+            <p:ph idx="1"/>
+          </p:nvPr>
+        </p:nvSpPr>
+        <p:spPr/>
+        <p:txBody>
+          <a:bodyPr/>
+          <a:lstStyle/>
+          <a:p>
+            <a:pPr>
+              <a:buFont typeface="Wingdings" pitchFamily="2" charset="2"/>
+              <a:buChar char="§"/>
+            </a:pPr>
+            <a:r>
+              <a:rPr lang="en-US" dirty="0" smtClean="0">
+                <a:latin typeface="Cambria" pitchFamily="18" charset="0"/>
+              </a:rPr>
+              <a:t>Need zero circulation at the stagnation point </a:t>
+            </a:r>
+            <a:endParaRPr lang="en-US" dirty="0">
+              <a:latin typeface="Cambria" pitchFamily="18" charset="0"/>
+            </a:endParaRPr>
+          </a:p>
+        </p:txBody>
+      </p:sp>
+      <p:pic>
+        <p:nvPicPr>
+          <p:cNvPr id="4" name="Picture 3" descr="EnforcingKC.PNG"/>
+          <p:cNvPicPr>
+            <a:picLocks noChangeAspect="1"/>
+          </p:cNvPicPr>
+          <p:nvPr/>
+        </p:nvPicPr>
+        <p:blipFill>
+          <a:blip r:embed="rId2" cstate="print"/>
+          <a:stretch>
+            <a:fillRect/>
+          </a:stretch>
+        </p:blipFill>
+        <p:spPr>
+          <a:xfrm>
+            <a:off x="110596" y="2438400"/>
+            <a:ext cx="9033404" cy="3276600"/>
+          </a:xfrm>
+          <a:prstGeom prst="rect">
+            <a:avLst/>
+          </a:prstGeom>
+        </p:spPr>
+      </p:pic>
+      <p:sp>
+        <p:nvSpPr>
+          <p:cNvPr id="5" name="TextBox 4"/>
+          <p:cNvSpPr txBox="1"/>
+          <p:nvPr/>
+        </p:nvSpPr>
+        <p:spPr>
+          <a:xfrm>
+            <a:off x="3733800" y="6248400"/>
+            <a:ext cx="2209800" cy="369332"/>
+          </a:xfrm>
+          <a:prstGeom prst="rect">
+            <a:avLst/>
+          </a:prstGeom>
+          <a:noFill/>
+        </p:spPr>
+        <p:txBody>
+          <a:bodyPr wrap="square" rtlCol="0">
+            <a:spAutoFit/>
+          </a:bodyPr>
+          <a:lstStyle/>
+          <a:p>
+            <a:r>
+              <a:rPr lang="en-US" dirty="0" smtClean="0">
+                <a:latin typeface="Cambria" pitchFamily="18" charset="0"/>
+              </a:rPr>
+              <a:t>(Source: Katz 2001)</a:t>
+            </a:r>
+            <a:endParaRPr lang="en-US" dirty="0">
+              <a:latin typeface="Cambria" pitchFamily="18" charset="0"/>
+            </a:endParaRPr>
+          </a:p>
+        </p:txBody>
+      </p:sp>
+      <p:sp>
+        <p:nvSpPr>
+          <p:cNvPr id="6" name="Rectangle 5"/>
+          <p:cNvSpPr/>
+          <p:nvPr/>
+        </p:nvSpPr>
+        <p:spPr>
+          <a:xfrm>
+            <a:off x="6705600" y="5105400"/>
+            <a:ext cx="1600200" cy="228600"/>
+          </a:xfrm>
+          <a:prstGeom prst="rect">
+            <a:avLst/>
+          </a:prstGeom>
+          <a:noFill/>
+        </p:spPr>
+        <p:style>
+          <a:lnRef idx="2">
+            <a:schemeClr val="accent2"/>
+          </a:lnRef>
+          <a:fillRef idx="1">
+            <a:schemeClr val="lt1"/>
+          </a:fillRef>
+          <a:effectRef idx="0">
+            <a:schemeClr val="accent2"/>
+          </a:effectRef>
+          <a:fontRef idx="minor">
+            <a:schemeClr val="dk1"/>
+          </a:fontRef>
+        </p:style>
+        <p:txBody>
+          <a:bodyPr rtlCol="0" anchor="ctr"/>
+          <a:lstStyle/>
+          <a:p>
+            <a:pPr algn="ctr"/>
+            <a:endParaRPr lang="en-US"/>
+          </a:p>
+        </p:txBody>
+      </p:sp>
+    </p:spTree>
+  </p:cSld>
+  <p:clrMapOvr>
+    <a:masterClrMapping/>
+  </p:clrMapOvr>
+</p:sld>
+</file>
+
+<file path=ppt/slides/slide11.xml><?xml version="1.0" encoding="utf-8"?>
+<p:sld xmlns:a="http://schemas.openxmlformats.org/drawingml/2006/main" xmlns:r="http://schemas.openxmlformats.org/officeDocument/2006/relationships" xmlns:p="http://schemas.openxmlformats.org/presentationml/2006/main">
+  <p:cSld>
+    <p:spTree>
+      <p:nvGrpSpPr>
+        <p:cNvPr id="1" name=""/>
+        <p:cNvGrpSpPr/>
+        <p:nvPr/>
+      </p:nvGrpSpPr>
+      <p:grpSpPr>
+        <a:xfrm>
+          <a:off x="0" y="0"/>
+          <a:ext cx="0" cy="0"/>
+          <a:chOff x="0" y="0"/>
+          <a:chExt cx="0" cy="0"/>
+        </a:xfrm>
+      </p:grpSpPr>
+      <p:sp>
+        <p:nvSpPr>
+          <p:cNvPr id="2" name="Title 1"/>
+          <p:cNvSpPr>
+            <a:spLocks noGrp="1"/>
+          </p:cNvSpPr>
+          <p:nvPr>
+            <p:ph type="title"/>
+          </p:nvPr>
+        </p:nvSpPr>
+        <p:spPr/>
+        <p:txBody>
+          <a:bodyPr/>
+          <a:lstStyle/>
+          <a:p>
+            <a:r>
+              <a:rPr lang="en-US" b="1" dirty="0" smtClean="0">
+                <a:latin typeface="Georgia" pitchFamily="18" charset="0"/>
+              </a:rPr>
+              <a:t>Building the linear system </a:t>
+            </a:r>
+            <a:endParaRPr lang="en-US" b="1" dirty="0">
+              <a:latin typeface="Georgia" pitchFamily="18" charset="0"/>
+            </a:endParaRPr>
+          </a:p>
+        </p:txBody>
+      </p:sp>
+      <p:sp>
+        <p:nvSpPr>
+          <p:cNvPr id="3" name="Content Placeholder 2"/>
+          <p:cNvSpPr>
+            <a:spLocks noGrp="1"/>
+          </p:cNvSpPr>
+          <p:nvPr>
+            <p:ph idx="1"/>
+          </p:nvPr>
+        </p:nvSpPr>
+        <p:spPr/>
+        <p:txBody>
+          <a:bodyPr/>
+          <a:lstStyle/>
+          <a:p>
+            <a:pPr>
+              <a:buFont typeface="Wingdings" pitchFamily="2" charset="2"/>
+              <a:buChar char="§"/>
+            </a:pPr>
+            <a:r>
+              <a:rPr lang="en-US" dirty="0" smtClean="0">
+                <a:latin typeface="Cambria" pitchFamily="18" charset="0"/>
+              </a:rPr>
+              <a:t>Doublet Matrix, A </a:t>
+            </a:r>
+          </a:p>
+          <a:p>
+            <a:pPr lvl="1">
+              <a:buFont typeface="Wingdings" pitchFamily="2" charset="2"/>
+              <a:buChar char="§"/>
+            </a:pPr>
+            <a:r>
+              <a:rPr lang="en-US" dirty="0" smtClean="0">
+                <a:latin typeface="Cambria" pitchFamily="18" charset="0"/>
+              </a:rPr>
+              <a:t>[N+1] x [N+1] </a:t>
+            </a:r>
+          </a:p>
+          <a:p>
+            <a:pPr>
+              <a:buFont typeface="Wingdings" pitchFamily="2" charset="2"/>
+              <a:buChar char="§"/>
+            </a:pPr>
+            <a:r>
+              <a:rPr lang="en-US" dirty="0" smtClean="0">
+                <a:latin typeface="Cambria" pitchFamily="18" charset="0"/>
+              </a:rPr>
+              <a:t>RHS, B</a:t>
+            </a:r>
+          </a:p>
+          <a:p>
+            <a:pPr lvl="1">
+              <a:buFont typeface="Wingdings" pitchFamily="2" charset="2"/>
+              <a:buChar char="§"/>
+            </a:pPr>
+            <a:r>
+              <a:rPr lang="en-US" dirty="0" smtClean="0">
+                <a:latin typeface="Cambria" pitchFamily="18" charset="0"/>
+              </a:rPr>
+              <a:t>Free stream conditions </a:t>
+            </a:r>
+          </a:p>
+          <a:p>
+            <a:pPr>
+              <a:buFont typeface="Wingdings" pitchFamily="2" charset="2"/>
+              <a:buChar char="§"/>
+            </a:pPr>
+            <a:r>
+              <a:rPr lang="en-US" dirty="0" smtClean="0">
+                <a:latin typeface="Cambria" pitchFamily="18" charset="0"/>
+              </a:rPr>
+              <a:t>Unknown </a:t>
+            </a:r>
+            <a:r>
+              <a:rPr lang="en-US" dirty="0" smtClean="0">
+                <a:latin typeface="Cambria" pitchFamily="18" charset="0"/>
+                <a:sym typeface="Wingdings" pitchFamily="2" charset="2"/>
+              </a:rPr>
+              <a:t> strength of doublets </a:t>
+            </a:r>
+            <a:endParaRPr lang="en-US" dirty="0" smtClean="0">
+              <a:latin typeface="Cambria" pitchFamily="18" charset="0"/>
+            </a:endParaRPr>
+          </a:p>
+        </p:txBody>
+      </p:sp>
+      <p:pic>
+        <p:nvPicPr>
+          <p:cNvPr id="4" name="Picture 3" descr="Matrix_Image.PNG"/>
+          <p:cNvPicPr>
+            <a:picLocks noChangeAspect="1"/>
+          </p:cNvPicPr>
+          <p:nvPr/>
+        </p:nvPicPr>
+        <p:blipFill>
+          <a:blip r:embed="rId2" cstate="print"/>
+          <a:stretch>
+            <a:fillRect/>
+          </a:stretch>
+        </p:blipFill>
+        <p:spPr>
+          <a:xfrm>
+            <a:off x="838200" y="4361952"/>
+            <a:ext cx="7315200" cy="2301124"/>
+          </a:xfrm>
+          <a:prstGeom prst="rect">
+            <a:avLst/>
+          </a:prstGeom>
+        </p:spPr>
+      </p:pic>
+    </p:spTree>
+  </p:cSld>
+  <p:clrMapOvr>
+    <a:masterClrMapping/>
+  </p:clrMapOvr>
+</p:sld>
+</file>
+
+<file path=ppt/slides/slide12.xml><?xml version="1.0" encoding="utf-8"?>
+<p:sld xmlns:a="http://schemas.openxmlformats.org/drawingml/2006/main" xmlns:r="http://schemas.openxmlformats.org/officeDocument/2006/relationships" xmlns:p="http://schemas.openxmlformats.org/presentationml/2006/main">
+  <p:cSld>
+    <p:spTree>
+      <p:nvGrpSpPr>
+        <p:cNvPr id="1" name=""/>
+        <p:cNvGrpSpPr/>
+        <p:nvPr/>
+      </p:nvGrpSpPr>
+      <p:grpSpPr>
+        <a:xfrm>
+          <a:off x="0" y="0"/>
+          <a:ext cx="0" cy="0"/>
+          <a:chOff x="0" y="0"/>
+          <a:chExt cx="0" cy="0"/>
+        </a:xfrm>
+      </p:grpSpPr>
+      <p:sp>
+        <p:nvSpPr>
+          <p:cNvPr id="2" name="Title 1"/>
+          <p:cNvSpPr>
+            <a:spLocks noGrp="1"/>
+          </p:cNvSpPr>
+          <p:nvPr>
+            <p:ph type="title"/>
+          </p:nvPr>
+        </p:nvSpPr>
+        <p:spPr/>
+        <p:txBody>
+          <a:bodyPr>
+            <a:normAutofit fontScale="90000"/>
+          </a:bodyPr>
+          <a:lstStyle/>
+          <a:p>
+            <a:r>
+              <a:rPr lang="en-US" b="1" dirty="0" smtClean="0">
+                <a:latin typeface="Georgia" pitchFamily="18" charset="0"/>
+              </a:rPr>
+              <a:t>Solving linear system &amp; plotting stream lines </a:t>
+            </a:r>
+            <a:endParaRPr lang="en-US" b="1" dirty="0">
+              <a:latin typeface="Georgia" pitchFamily="18" charset="0"/>
+            </a:endParaRPr>
+          </a:p>
+        </p:txBody>
+      </p:sp>
+      <p:sp>
+        <p:nvSpPr>
+          <p:cNvPr id="3" name="Content Placeholder 2"/>
+          <p:cNvSpPr>
+            <a:spLocks noGrp="1"/>
+          </p:cNvSpPr>
+          <p:nvPr>
+            <p:ph idx="1"/>
+          </p:nvPr>
+        </p:nvSpPr>
+        <p:spPr/>
+        <p:txBody>
+          <a:bodyPr/>
+          <a:lstStyle/>
+          <a:p>
+            <a:pPr>
+              <a:buFont typeface="Wingdings" pitchFamily="2" charset="2"/>
+              <a:buChar char="§"/>
+            </a:pPr>
+            <a:endParaRPr lang="en-US" dirty="0" smtClean="0"/>
+          </a:p>
+          <a:p>
+            <a:pPr>
+              <a:buFont typeface="Wingdings" pitchFamily="2" charset="2"/>
+              <a:buChar char="§"/>
+            </a:pPr>
+            <a:r>
+              <a:rPr lang="en-US" dirty="0" smtClean="0"/>
+              <a:t>Use </a:t>
+            </a:r>
+            <a:r>
+              <a:rPr lang="en-US" dirty="0" err="1" smtClean="0"/>
+              <a:t>linalg.solve</a:t>
+            </a:r>
+            <a:r>
+              <a:rPr lang="en-US" dirty="0" smtClean="0"/>
+              <a:t> </a:t>
+            </a:r>
+          </a:p>
+          <a:p>
+            <a:pPr>
+              <a:buNone/>
+            </a:pPr>
+            <a:endParaRPr lang="en-US" dirty="0" smtClean="0"/>
+          </a:p>
+          <a:p>
+            <a:pPr>
+              <a:buFont typeface="Wingdings" pitchFamily="2" charset="2"/>
+              <a:buChar char="§"/>
+            </a:pPr>
+            <a:r>
+              <a:rPr lang="en-US" dirty="0" smtClean="0"/>
+              <a:t>Plot stream lines by </a:t>
+            </a:r>
+            <a:r>
+              <a:rPr lang="en-US" dirty="0" err="1" smtClean="0"/>
+              <a:t>obtaing</a:t>
+            </a:r>
+            <a:r>
+              <a:rPr lang="en-US" dirty="0" smtClean="0"/>
+              <a:t> </a:t>
+            </a:r>
+            <a:r>
+              <a:rPr lang="en-US" dirty="0" err="1" smtClean="0"/>
+              <a:t>u,v</a:t>
+            </a:r>
+            <a:r>
+              <a:rPr lang="en-US" dirty="0" smtClean="0"/>
+              <a:t> velocity components as done in lesson 11 challenge task</a:t>
+            </a:r>
+            <a:endParaRPr lang="en-US" dirty="0"/>
+          </a:p>
+        </p:txBody>
+      </p:sp>
+    </p:spTree>
+  </p:cSld>
+  <p:clrMapOvr>
+    <a:masterClrMapping/>
+  </p:clrMapOvr>
+</p:sld>
+</file>
+
+<file path=ppt/slides/slide13.xml><?xml version="1.0" encoding="utf-8"?>
+<p:sld xmlns:a="http://schemas.openxmlformats.org/drawingml/2006/main" xmlns:r="http://schemas.openxmlformats.org/officeDocument/2006/relationships" xmlns:p="http://schemas.openxmlformats.org/presentationml/2006/main">
+  <p:cSld>
+    <p:spTree>
+      <p:nvGrpSpPr>
+        <p:cNvPr id="1" name=""/>
+        <p:cNvGrpSpPr/>
+        <p:nvPr/>
+      </p:nvGrpSpPr>
+      <p:grpSpPr>
+        <a:xfrm>
+          <a:off x="0" y="0"/>
+          <a:ext cx="0" cy="0"/>
+          <a:chOff x="0" y="0"/>
+          <a:chExt cx="0" cy="0"/>
+        </a:xfrm>
+      </p:grpSpPr>
+      <p:sp>
+        <p:nvSpPr>
+          <p:cNvPr id="2" name="Title 1"/>
+          <p:cNvSpPr>
+            <a:spLocks noGrp="1"/>
+          </p:cNvSpPr>
+          <p:nvPr>
+            <p:ph type="title"/>
+          </p:nvPr>
+        </p:nvSpPr>
+        <p:spPr/>
+        <p:txBody>
+          <a:bodyPr/>
+          <a:lstStyle/>
+          <a:p>
+            <a:r>
+              <a:rPr lang="en-US" b="1" dirty="0" smtClean="0">
+                <a:latin typeface="Georgia" pitchFamily="18" charset="0"/>
+              </a:rPr>
+              <a:t>Results </a:t>
+            </a:r>
+            <a:endParaRPr lang="en-US" b="1" dirty="0">
+              <a:latin typeface="Georgia" pitchFamily="18" charset="0"/>
+            </a:endParaRPr>
+          </a:p>
+        </p:txBody>
+      </p:sp>
+      <p:pic>
+        <p:nvPicPr>
+          <p:cNvPr id="4" name="Picture 3" descr="alpha0.PNG"/>
+          <p:cNvPicPr>
+            <a:picLocks noChangeAspect="1"/>
+          </p:cNvPicPr>
+          <p:nvPr/>
+        </p:nvPicPr>
+        <p:blipFill>
+          <a:blip r:embed="rId2" cstate="print"/>
+          <a:stretch>
+            <a:fillRect/>
+          </a:stretch>
+        </p:blipFill>
+        <p:spPr>
+          <a:xfrm>
+            <a:off x="914400" y="1752600"/>
+            <a:ext cx="7497222" cy="2172003"/>
+          </a:xfrm>
+          <a:prstGeom prst="rect">
+            <a:avLst/>
+          </a:prstGeom>
+        </p:spPr>
+      </p:pic>
+      <p:pic>
+        <p:nvPicPr>
+          <p:cNvPr id="5" name="Picture 4" descr="alpha8.PNG"/>
+          <p:cNvPicPr>
+            <a:picLocks noChangeAspect="1"/>
+          </p:cNvPicPr>
+          <p:nvPr/>
+        </p:nvPicPr>
+        <p:blipFill>
+          <a:blip r:embed="rId3" cstate="print"/>
+          <a:stretch>
+            <a:fillRect/>
+          </a:stretch>
+        </p:blipFill>
+        <p:spPr>
+          <a:xfrm>
+            <a:off x="914400" y="4191000"/>
+            <a:ext cx="7620000" cy="1917549"/>
+          </a:xfrm>
+          <a:prstGeom prst="rect">
+            <a:avLst/>
+          </a:prstGeom>
+        </p:spPr>
+      </p:pic>
+    </p:spTree>
+  </p:cSld>
+  <p:clrMapOvr>
+    <a:masterClrMapping/>
+  </p:clrMapOvr>
+</p:sld>
+</file>
+
+<file path=ppt/slides/slide14.xml><?xml version="1.0" encoding="utf-8"?>
+<p:sld xmlns:a="http://schemas.openxmlformats.org/drawingml/2006/main" xmlns:r="http://schemas.openxmlformats.org/officeDocument/2006/relationships" xmlns:p="http://schemas.openxmlformats.org/presentationml/2006/main">
+  <p:cSld>
+    <p:spTree>
+      <p:nvGrpSpPr>
+        <p:cNvPr id="1" name=""/>
+        <p:cNvGrpSpPr/>
+        <p:nvPr/>
+      </p:nvGrpSpPr>
+      <p:grpSpPr>
+        <a:xfrm>
+          <a:off x="0" y="0"/>
+          <a:ext cx="0" cy="0"/>
+          <a:chOff x="0" y="0"/>
+          <a:chExt cx="0" cy="0"/>
+        </a:xfrm>
+      </p:grpSpPr>
+      <p:sp>
+        <p:nvSpPr>
+          <p:cNvPr id="2" name="Title 1"/>
+          <p:cNvSpPr>
+            <a:spLocks noGrp="1"/>
+          </p:cNvSpPr>
+          <p:nvPr>
+            <p:ph type="title"/>
+          </p:nvPr>
+        </p:nvSpPr>
+        <p:spPr>
+          <a:xfrm>
+            <a:off x="457200" y="274638"/>
+            <a:ext cx="8229600" cy="2011362"/>
+          </a:xfrm>
+        </p:spPr>
+        <p:txBody>
+          <a:bodyPr>
+            <a:normAutofit/>
+          </a:bodyPr>
+          <a:lstStyle/>
+          <a:p>
+            <a:r>
+              <a:rPr lang="en-US" sz="5400" b="1" dirty="0" smtClean="0">
+                <a:latin typeface="Georgia" pitchFamily="18" charset="0"/>
+              </a:rPr>
+              <a:t>Thank You!</a:t>
+            </a:r>
+            <a:endParaRPr lang="en-US" sz="5400" b="1" dirty="0">
+              <a:latin typeface="Georgia" pitchFamily="18" charset="0"/>
+            </a:endParaRPr>
           </a:p>
         </p:txBody>
       </p:sp>
@@ -4560,32 +5206,59 @@
         </p:nvSpPr>
         <p:spPr/>
         <p:txBody>
-          <a:bodyPr/>
-          <a:lstStyle/>
-          <a:p>
-            <a:endParaRPr lang="en-US"/>
-          </a:p>
-        </p:txBody>
-      </p:sp>
-      <p:sp>
-        <p:nvSpPr>
-          <p:cNvPr id="3" name="Content Placeholder 2"/>
-          <p:cNvSpPr>
-            <a:spLocks noGrp="1"/>
-          </p:cNvSpPr>
-          <p:nvPr>
-            <p:ph idx="1"/>
-          </p:nvPr>
-        </p:nvSpPr>
-        <p:spPr/>
-        <p:txBody>
-          <a:bodyPr/>
-          <a:lstStyle/>
-          <a:p>
-            <a:endParaRPr lang="en-US"/>
-          </a:p>
-        </p:txBody>
-      </p:sp>
+          <a:bodyPr>
+            <a:normAutofit fontScale="90000"/>
+          </a:bodyPr>
+          <a:lstStyle/>
+          <a:p>
+            <a:r>
+              <a:rPr lang="en-US" b="1" dirty="0" smtClean="0">
+                <a:latin typeface="Georgia" pitchFamily="18" charset="0"/>
+              </a:rPr>
+              <a:t>Enforcing the </a:t>
+            </a:r>
+            <a:r>
+              <a:rPr lang="en-US" b="1" dirty="0" err="1" smtClean="0">
+                <a:latin typeface="Georgia" pitchFamily="18" charset="0"/>
+              </a:rPr>
+              <a:t>Kutta</a:t>
+            </a:r>
+            <a:r>
+              <a:rPr lang="en-US" b="1" dirty="0" smtClean="0">
+                <a:latin typeface="Georgia" pitchFamily="18" charset="0"/>
+              </a:rPr>
+              <a:t> Condition with a wake panel </a:t>
+            </a:r>
+            <a:endParaRPr lang="en-US" b="1" dirty="0">
+              <a:latin typeface="Georgia" pitchFamily="18" charset="0"/>
+            </a:endParaRPr>
+          </a:p>
+        </p:txBody>
+      </p:sp>
+      <p:pic>
+        <p:nvPicPr>
+          <p:cNvPr id="5" name="Picture 4" descr="potentialjump.PNG"/>
+          <p:cNvPicPr>
+            <a:picLocks noChangeAspect="1"/>
+          </p:cNvPicPr>
+          <p:nvPr/>
+        </p:nvPicPr>
+        <p:blipFill>
+          <a:blip r:embed="rId2" cstate="print"/>
+          <a:stretch>
+            <a:fillRect/>
+          </a:stretch>
+        </p:blipFill>
+        <p:spPr>
+          <a:xfrm>
+            <a:off x="1295400" y="1600200"/>
+            <a:ext cx="6382641" cy="4944165"/>
+          </a:xfrm>
+          <a:prstGeom prst="rect">
+            <a:avLst/>
+          </a:prstGeom>
+        </p:spPr>
+      </p:pic>
     </p:spTree>
   </p:cSld>
   <p:clrMapOvr>
